--- a/markdown/files/slides/lecture1_intro.pptx
+++ b/markdown/files/slides/lecture1_intro.pptx
@@ -280,7 +280,7 @@
           <a:p>
             <a:fld id="{2DB93FBE-67AC-4C5C-B62E-CFFDEAF9BE53}" type="datetimeFigureOut">
               <a:rPr lang="en-US" smtClean="0"/>
-              <a:t>1/4/2026</a:t>
+              <a:t>1/5/2026</a:t>
             </a:fld>
             <a:endParaRPr lang="en-US"/>
           </a:p>
@@ -478,7 +478,7 @@
           <a:p>
             <a:fld id="{2DB93FBE-67AC-4C5C-B62E-CFFDEAF9BE53}" type="datetimeFigureOut">
               <a:rPr lang="en-US" smtClean="0"/>
-              <a:t>1/4/2026</a:t>
+              <a:t>1/5/2026</a:t>
             </a:fld>
             <a:endParaRPr lang="en-US"/>
           </a:p>
@@ -686,7 +686,7 @@
           <a:p>
             <a:fld id="{2DB93FBE-67AC-4C5C-B62E-CFFDEAF9BE53}" type="datetimeFigureOut">
               <a:rPr lang="en-US" smtClean="0"/>
-              <a:t>1/4/2026</a:t>
+              <a:t>1/5/2026</a:t>
             </a:fld>
             <a:endParaRPr lang="en-US"/>
           </a:p>
@@ -884,7 +884,7 @@
           <a:p>
             <a:fld id="{2DB93FBE-67AC-4C5C-B62E-CFFDEAF9BE53}" type="datetimeFigureOut">
               <a:rPr lang="en-US" smtClean="0"/>
-              <a:t>1/4/2026</a:t>
+              <a:t>1/5/2026</a:t>
             </a:fld>
             <a:endParaRPr lang="en-US"/>
           </a:p>
@@ -1159,7 +1159,7 @@
           <a:p>
             <a:fld id="{2DB93FBE-67AC-4C5C-B62E-CFFDEAF9BE53}" type="datetimeFigureOut">
               <a:rPr lang="en-US" smtClean="0"/>
-              <a:t>1/4/2026</a:t>
+              <a:t>1/5/2026</a:t>
             </a:fld>
             <a:endParaRPr lang="en-US"/>
           </a:p>
@@ -1424,7 +1424,7 @@
           <a:p>
             <a:fld id="{2DB93FBE-67AC-4C5C-B62E-CFFDEAF9BE53}" type="datetimeFigureOut">
               <a:rPr lang="en-US" smtClean="0"/>
-              <a:t>1/4/2026</a:t>
+              <a:t>1/5/2026</a:t>
             </a:fld>
             <a:endParaRPr lang="en-US"/>
           </a:p>
@@ -1836,7 +1836,7 @@
           <a:p>
             <a:fld id="{2DB93FBE-67AC-4C5C-B62E-CFFDEAF9BE53}" type="datetimeFigureOut">
               <a:rPr lang="en-US" smtClean="0"/>
-              <a:t>1/4/2026</a:t>
+              <a:t>1/5/2026</a:t>
             </a:fld>
             <a:endParaRPr lang="en-US"/>
           </a:p>
@@ -1977,7 +1977,7 @@
           <a:p>
             <a:fld id="{2DB93FBE-67AC-4C5C-B62E-CFFDEAF9BE53}" type="datetimeFigureOut">
               <a:rPr lang="en-US" smtClean="0"/>
-              <a:t>1/4/2026</a:t>
+              <a:t>1/5/2026</a:t>
             </a:fld>
             <a:endParaRPr lang="en-US"/>
           </a:p>
@@ -2090,7 +2090,7 @@
           <a:p>
             <a:fld id="{2DB93FBE-67AC-4C5C-B62E-CFFDEAF9BE53}" type="datetimeFigureOut">
               <a:rPr lang="en-US" smtClean="0"/>
-              <a:t>1/4/2026</a:t>
+              <a:t>1/5/2026</a:t>
             </a:fld>
             <a:endParaRPr lang="en-US"/>
           </a:p>
@@ -2401,7 +2401,7 @@
           <a:p>
             <a:fld id="{2DB93FBE-67AC-4C5C-B62E-CFFDEAF9BE53}" type="datetimeFigureOut">
               <a:rPr lang="en-US" smtClean="0"/>
-              <a:t>1/4/2026</a:t>
+              <a:t>1/5/2026</a:t>
             </a:fld>
             <a:endParaRPr lang="en-US"/>
           </a:p>
@@ -2689,7 +2689,7 @@
           <a:p>
             <a:fld id="{2DB93FBE-67AC-4C5C-B62E-CFFDEAF9BE53}" type="datetimeFigureOut">
               <a:rPr lang="en-US" smtClean="0"/>
-              <a:t>1/4/2026</a:t>
+              <a:t>1/5/2026</a:t>
             </a:fld>
             <a:endParaRPr lang="en-US"/>
           </a:p>
@@ -2930,7 +2930,7 @@
           <a:p>
             <a:fld id="{2DB93FBE-67AC-4C5C-B62E-CFFDEAF9BE53}" type="datetimeFigureOut">
               <a:rPr lang="en-US" smtClean="0"/>
-              <a:t>1/4/2026</a:t>
+              <a:t>1/5/2026</a:t>
             </a:fld>
             <a:endParaRPr lang="en-US"/>
           </a:p>
@@ -14613,7 +14613,7 @@
         <p:spPr>
           <a:xfrm>
             <a:off x="5790906" y="4772906"/>
-            <a:ext cx="5327136" cy="1384995"/>
+            <a:ext cx="5327136" cy="1600438"/>
           </a:xfrm>
           <a:prstGeom prst="rect">
             <a:avLst/>
@@ -14633,6 +14633,16 @@
                 <a:cs typeface="Cascadia Code" panose="020B0609020000020004" pitchFamily="49" charset="0"/>
               </a:rPr>
               <a:t>dequeue(){</a:t>
+            </a:r>
+          </a:p>
+          <a:p>
+            <a:r>
+              <a:rPr lang="en-US" sz="1400" dirty="0">
+                <a:latin typeface="Cascadia Code" panose="020B0609020000020004" pitchFamily="49" charset="0"/>
+                <a:ea typeface="Cascadia Code" panose="020B0609020000020004" pitchFamily="49" charset="0"/>
+                <a:cs typeface="Cascadia Code" panose="020B0609020000020004" pitchFamily="49" charset="0"/>
+              </a:rPr>
+              <a:t>    // Assumes queue is not empty</a:t>
             </a:r>
           </a:p>
           <a:p>
@@ -15889,7 +15899,7 @@
             </a:pPr>
             <a:r>
               <a:rPr lang="en-US" dirty="0"/>
-              <a:t>    If you woke up earlier, then put your hand down and return to your seat</a:t>
+              <a:t>    If you woke up later, then put your hand down and return to your seat</a:t>
             </a:r>
           </a:p>
           <a:p>
@@ -16009,6 +16019,23 @@
           </a:p>
           <a:p>
             <a:pPr lvl="1"/>
+            <a:r>
+              <a:rPr lang="en-US" dirty="0">
+                <a:hlinkClick r:id="rId2"/>
+              </a:rPr>
+              <a:t>http://www.cs.uw.edu/332/staff.html#tas</a:t>
+            </a:r>
+            <a:r>
+              <a:rPr lang="en-US" dirty="0"/>
+              <a:t> </a:t>
+            </a:r>
+          </a:p>
+          <a:p>
+            <a:pPr lvl="1"/>
+            <a:endParaRPr lang="en-US" dirty="0"/>
+          </a:p>
+          <a:p>
+            <a:pPr lvl="1"/>
             <a:endParaRPr lang="en-US" dirty="0"/>
           </a:p>
         </p:txBody>
@@ -16466,8 +16493,8 @@
           </a:p>
         </p:txBody>
       </p:sp>
-      <mc:AlternateContent xmlns:mc="http://schemas.openxmlformats.org/markup-compatibility/2006">
-        <mc:Choice xmlns:a14="http://schemas.microsoft.com/office/drawing/2010/main" Requires="a14">
+      <mc:AlternateContent xmlns:mc="http://schemas.openxmlformats.org/markup-compatibility/2006" xmlns:a14="http://schemas.microsoft.com/office/drawing/2010/main">
+        <mc:Choice Requires="a14">
           <p:sp>
             <p:nvSpPr>
               <p:cNvPr id="3" name="Content Placeholder 2">
@@ -16598,7 +16625,7 @@
             </p:txBody>
           </p:sp>
         </mc:Choice>
-        <mc:Fallback>
+        <mc:Fallback xmlns="">
           <p:sp>
             <p:nvSpPr>
               <p:cNvPr id="3" name="Content Placeholder 2">

--- a/markdown/files/slides/lecture1_intro.pptx
+++ b/markdown/files/slides/lecture1_intro.pptx
@@ -12726,7 +12726,7 @@
         <p:spPr>
           <a:xfrm>
             <a:off x="4879046" y="4619018"/>
-            <a:ext cx="4828372" cy="1384995"/>
+            <a:ext cx="4828372" cy="1600438"/>
           </a:xfrm>
           <a:prstGeom prst="rect">
             <a:avLst/>
@@ -12746,6 +12746,16 @@
                 <a:cs typeface="Cascadia Code" panose="020B0609020000020004" pitchFamily="49" charset="0"/>
               </a:rPr>
               <a:t>dequeue(){</a:t>
+            </a:r>
+          </a:p>
+          <a:p>
+            <a:r>
+              <a:rPr lang="en-US" sz="1400" dirty="0">
+                <a:latin typeface="Cascadia Code" panose="020B0609020000020004" pitchFamily="49" charset="0"/>
+                <a:ea typeface="Cascadia Code" panose="020B0609020000020004" pitchFamily="49" charset="0"/>
+                <a:cs typeface="Cascadia Code" panose="020B0609020000020004" pitchFamily="49" charset="0"/>
+              </a:rPr>
+              <a:t>    // Assumes queue is not empty</a:t>
             </a:r>
           </a:p>
           <a:p>
@@ -14765,7 +14775,7 @@
                 <a:ea typeface="Cascadia Code" panose="020B0609020000020004" pitchFamily="49" charset="0"/>
                 <a:cs typeface="Cascadia Code" panose="020B0609020000020004" pitchFamily="49" charset="0"/>
               </a:rPr>
-              <a:t>    return size== 0; </a:t>
+              <a:t>    return size == 0; </a:t>
             </a:r>
           </a:p>
           <a:p>
